--- a/Presentation.pptx
+++ b/Presentation.pptx
@@ -13,35 +13,34 @@
     <p:sldId id="262" r:id="rId7"/>
     <p:sldId id="263" r:id="rId8"/>
     <p:sldId id="265" r:id="rId9"/>
-    <p:sldId id="267" r:id="rId10"/>
   </p:sldIdLst>
   <p:sldSz cx="12192000" cy="6858000"/>
   <p:notesSz cx="6858000" cy="9144000"/>
   <p:embeddedFontLst>
     <p:embeddedFont>
       <p:font typeface="Calibri" panose="020F0502020204030204" pitchFamily="34" charset="0"/>
-      <p:regular r:id="rId11"/>
-      <p:bold r:id="rId12"/>
-      <p:italic r:id="rId13"/>
-      <p:boldItalic r:id="rId14"/>
+      <p:regular r:id="rId10"/>
+      <p:bold r:id="rId11"/>
+      <p:italic r:id="rId12"/>
+      <p:boldItalic r:id="rId13"/>
     </p:embeddedFont>
     <p:embeddedFont>
       <p:font typeface="Calibri Light" panose="020F0302020204030204" pitchFamily="34" charset="0"/>
-      <p:regular r:id="rId15"/>
-      <p:italic r:id="rId16"/>
+      <p:regular r:id="rId14"/>
+      <p:italic r:id="rId15"/>
     </p:embeddedFont>
     <p:embeddedFont>
       <p:font typeface="Lucida Console" panose="020B0609040504020204" pitchFamily="49" charset="0"/>
-      <p:regular r:id="rId17"/>
+      <p:regular r:id="rId16"/>
     </p:embeddedFont>
     <p:embeddedFont>
       <p:font typeface="Poppins" panose="00000500000000000000" pitchFamily="2" charset="0"/>
-      <p:regular r:id="rId18"/>
-      <p:bold r:id="rId19"/>
+      <p:regular r:id="rId17"/>
+      <p:bold r:id="rId18"/>
     </p:embeddedFont>
     <p:embeddedFont>
       <p:font typeface="Poppins Bold" panose="00000800000000000000" pitchFamily="2" charset="0"/>
-      <p:bold r:id="rId20"/>
+      <p:bold r:id="rId19"/>
     </p:embeddedFont>
   </p:embeddedFontLst>
   <p:defaultTextStyle>
@@ -5873,318 +5872,6 @@
 </p:sld>
 </file>
 
-<file path=ppt/slides/slide9.xml><?xml version="1.0" encoding="utf-8"?>
-<p:sld xmlns:a="http://schemas.openxmlformats.org/drawingml/2006/main" xmlns:r="http://schemas.openxmlformats.org/officeDocument/2006/relationships" xmlns:p="http://schemas.openxmlformats.org/presentationml/2006/main">
-  <p:cSld>
-    <p:bg>
-      <p:bgPr>
-        <a:solidFill>
-          <a:srgbClr val="D6D0FF"/>
-        </a:solidFill>
-        <a:effectLst/>
-      </p:bgPr>
-    </p:bg>
-    <p:spTree>
-      <p:nvGrpSpPr>
-        <p:cNvPr id="1" name=""/>
-        <p:cNvGrpSpPr/>
-        <p:nvPr/>
-      </p:nvGrpSpPr>
-      <p:grpSpPr>
-        <a:xfrm>
-          <a:off x="0" y="0"/>
-          <a:ext cx="0" cy="0"/>
-          <a:chOff x="0" y="0"/>
-          <a:chExt cx="0" cy="0"/>
-        </a:xfrm>
-      </p:grpSpPr>
-      <p:sp>
-        <p:nvSpPr>
-          <p:cNvPr id="4" name="TextBox 3">
-            <a:extLst>
-              <a:ext uri="{FF2B5EF4-FFF2-40B4-BE49-F238E27FC236}">
-                <a16:creationId xmlns:a16="http://schemas.microsoft.com/office/drawing/2014/main" id="{4B97AAFF-E0C9-9886-3F06-1AAF96E78D1F}"/>
-              </a:ext>
-            </a:extLst>
-          </p:cNvPr>
-          <p:cNvSpPr txBox="1"/>
-          <p:nvPr/>
-        </p:nvSpPr>
-        <p:spPr>
-          <a:xfrm>
-            <a:off x="1357918" y="362758"/>
-            <a:ext cx="5476240" cy="707886"/>
-          </a:xfrm>
-          <a:prstGeom prst="rect">
-            <a:avLst/>
-          </a:prstGeom>
-          <a:noFill/>
-        </p:spPr>
-        <p:txBody>
-          <a:bodyPr wrap="square" rtlCol="0">
-            <a:spAutoFit/>
-          </a:bodyPr>
-          <a:lstStyle/>
-          <a:p>
-            <a:r>
-              <a:rPr lang="en-US" sz="4000" dirty="0">
-                <a:solidFill>
-                  <a:srgbClr val="7030A0"/>
-                </a:solidFill>
-                <a:latin typeface="Poppins" panose="00000500000000000000" pitchFamily="2" charset="0"/>
-                <a:cs typeface="Poppins" panose="00000500000000000000" pitchFamily="2" charset="0"/>
-              </a:rPr>
-              <a:t>Participant’s Info</a:t>
-            </a:r>
-            <a:endParaRPr lang="en-IN" sz="3200" dirty="0">
-              <a:solidFill>
-                <a:srgbClr val="7030A0"/>
-              </a:solidFill>
-              <a:latin typeface="Poppins" panose="00000500000000000000" pitchFamily="2" charset="0"/>
-              <a:cs typeface="Poppins" panose="00000500000000000000" pitchFamily="2" charset="0"/>
-            </a:endParaRPr>
-          </a:p>
-        </p:txBody>
-      </p:sp>
-      <p:sp>
-        <p:nvSpPr>
-          <p:cNvPr id="5" name="Rectangle: Rounded Corners 4">
-            <a:extLst>
-              <a:ext uri="{FF2B5EF4-FFF2-40B4-BE49-F238E27FC236}">
-                <a16:creationId xmlns:a16="http://schemas.microsoft.com/office/drawing/2014/main" id="{49789DBB-A636-C0FD-C9D4-CC70696FE50E}"/>
-              </a:ext>
-            </a:extLst>
-          </p:cNvPr>
-          <p:cNvSpPr/>
-          <p:nvPr/>
-        </p:nvSpPr>
-        <p:spPr>
-          <a:xfrm rot="5400000">
-            <a:off x="815831" y="625591"/>
-            <a:ext cx="658148" cy="132482"/>
-          </a:xfrm>
-          <a:prstGeom prst="roundRect">
-            <a:avLst>
-              <a:gd name="adj" fmla="val 0"/>
-            </a:avLst>
-          </a:prstGeom>
-          <a:solidFill>
-            <a:srgbClr val="7030A0"/>
-          </a:solidFill>
-          <a:ln>
-            <a:noFill/>
-          </a:ln>
-        </p:spPr>
-        <p:style>
-          <a:lnRef idx="2">
-            <a:schemeClr val="accent1">
-              <a:shade val="15000"/>
-            </a:schemeClr>
-          </a:lnRef>
-          <a:fillRef idx="1">
-            <a:schemeClr val="accent1"/>
-          </a:fillRef>
-          <a:effectRef idx="0">
-            <a:schemeClr val="accent1"/>
-          </a:effectRef>
-          <a:fontRef idx="minor">
-            <a:schemeClr val="lt1"/>
-          </a:fontRef>
-        </p:style>
-        <p:txBody>
-          <a:bodyPr rtlCol="0" anchor="ctr"/>
-          <a:lstStyle/>
-          <a:p>
-            <a:pPr algn="ctr"/>
-            <a:endParaRPr lang="en-IN"/>
-          </a:p>
-        </p:txBody>
-      </p:sp>
-      <p:pic>
-        <p:nvPicPr>
-          <p:cNvPr id="3" name="Picture 2">
-            <a:extLst>
-              <a:ext uri="{FF2B5EF4-FFF2-40B4-BE49-F238E27FC236}">
-                <a16:creationId xmlns:a16="http://schemas.microsoft.com/office/drawing/2014/main" id="{8A5AA27F-9FC3-AAE2-0A41-293DD297CA55}"/>
-              </a:ext>
-            </a:extLst>
-          </p:cNvPr>
-          <p:cNvPicPr>
-            <a:picLocks noChangeAspect="1"/>
-          </p:cNvPicPr>
-          <p:nvPr/>
-        </p:nvPicPr>
-        <p:blipFill>
-          <a:blip r:embed="rId2"/>
-          <a:stretch>
-            <a:fillRect/>
-          </a:stretch>
-        </p:blipFill>
-        <p:spPr>
-          <a:xfrm>
-            <a:off x="1078664" y="1747777"/>
-            <a:ext cx="5110223" cy="5110223"/>
-          </a:xfrm>
-          <a:prstGeom prst="rect">
-            <a:avLst/>
-          </a:prstGeom>
-        </p:spPr>
-      </p:pic>
-      <p:sp>
-        <p:nvSpPr>
-          <p:cNvPr id="11" name="TextBox 10">
-            <a:extLst>
-              <a:ext uri="{FF2B5EF4-FFF2-40B4-BE49-F238E27FC236}">
-                <a16:creationId xmlns:a16="http://schemas.microsoft.com/office/drawing/2014/main" id="{BDD82113-AECE-CE4A-9B3A-2B766A830D1F}"/>
-              </a:ext>
-            </a:extLst>
-          </p:cNvPr>
-          <p:cNvSpPr txBox="1"/>
-          <p:nvPr/>
-        </p:nvSpPr>
-        <p:spPr>
-          <a:xfrm>
-            <a:off x="6499007" y="2424981"/>
-            <a:ext cx="5476240" cy="3363998"/>
-          </a:xfrm>
-          <a:prstGeom prst="rect">
-            <a:avLst/>
-          </a:prstGeom>
-          <a:noFill/>
-        </p:spPr>
-        <p:txBody>
-          <a:bodyPr wrap="square" rtlCol="0">
-            <a:spAutoFit/>
-          </a:bodyPr>
-          <a:lstStyle/>
-          <a:p>
-            <a:pPr>
-              <a:lnSpc>
-                <a:spcPct val="150000"/>
-              </a:lnSpc>
-            </a:pPr>
-            <a:r>
-              <a:rPr lang="en-US" sz="4000" b="1" dirty="0">
-                <a:solidFill>
-                  <a:srgbClr val="7030A0"/>
-                </a:solidFill>
-                <a:latin typeface="Poppins" panose="00000500000000000000" pitchFamily="2" charset="0"/>
-                <a:cs typeface="Poppins" panose="00000500000000000000" pitchFamily="2" charset="0"/>
-              </a:rPr>
-              <a:t>Hemant Kumar</a:t>
-            </a:r>
-          </a:p>
-          <a:p>
-            <a:pPr>
-              <a:lnSpc>
-                <a:spcPct val="150000"/>
-              </a:lnSpc>
-            </a:pPr>
-            <a:r>
-              <a:rPr lang="en-US" sz="3200" dirty="0">
-                <a:solidFill>
-                  <a:srgbClr val="7030A0"/>
-                </a:solidFill>
-                <a:latin typeface="Poppins" panose="00000500000000000000" pitchFamily="2" charset="0"/>
-                <a:cs typeface="Poppins" panose="00000500000000000000" pitchFamily="2" charset="0"/>
-              </a:rPr>
-              <a:t>IIT Patna</a:t>
-            </a:r>
-          </a:p>
-          <a:p>
-            <a:pPr>
-              <a:lnSpc>
-                <a:spcPct val="150000"/>
-              </a:lnSpc>
-            </a:pPr>
-            <a:r>
-              <a:rPr lang="en-US" sz="2400" dirty="0">
-                <a:solidFill>
-                  <a:srgbClr val="7030A0"/>
-                </a:solidFill>
-                <a:latin typeface="Poppins" panose="00000500000000000000" pitchFamily="2" charset="0"/>
-                <a:cs typeface="Poppins" panose="00000500000000000000" pitchFamily="2" charset="0"/>
-              </a:rPr>
-              <a:t>Roll no. 2301CS20</a:t>
-            </a:r>
-          </a:p>
-          <a:p>
-            <a:pPr>
-              <a:lnSpc>
-                <a:spcPct val="150000"/>
-              </a:lnSpc>
-            </a:pPr>
-            <a:r>
-              <a:rPr lang="en-IN" sz="2400" dirty="0">
-                <a:solidFill>
-                  <a:srgbClr val="7030A0"/>
-                </a:solidFill>
-                <a:latin typeface="Poppins" panose="00000500000000000000" pitchFamily="2" charset="0"/>
-                <a:cs typeface="Poppins" panose="00000500000000000000" pitchFamily="2" charset="0"/>
-              </a:rPr>
-              <a:t>Email: </a:t>
-            </a:r>
-            <a:r>
-              <a:rPr lang="en-IN" sz="2400" dirty="0">
-                <a:solidFill>
-                  <a:srgbClr val="7030A0"/>
-                </a:solidFill>
-                <a:latin typeface="Poppins" panose="00000500000000000000" pitchFamily="2" charset="0"/>
-                <a:cs typeface="Poppins" panose="00000500000000000000" pitchFamily="2" charset="0"/>
-                <a:hlinkClick r:id="rId3"/>
-              </a:rPr>
-              <a:t>ytbhemant@gmail.com</a:t>
-            </a:r>
-            <a:endParaRPr lang="en-IN" sz="2400" dirty="0">
-              <a:solidFill>
-                <a:srgbClr val="7030A0"/>
-              </a:solidFill>
-              <a:latin typeface="Poppins" panose="00000500000000000000" pitchFamily="2" charset="0"/>
-              <a:cs typeface="Poppins" panose="00000500000000000000" pitchFamily="2" charset="0"/>
-            </a:endParaRPr>
-          </a:p>
-          <a:p>
-            <a:pPr>
-              <a:lnSpc>
-                <a:spcPct val="150000"/>
-              </a:lnSpc>
-            </a:pPr>
-            <a:r>
-              <a:rPr lang="en-IN" sz="2400" dirty="0" err="1">
-                <a:solidFill>
-                  <a:srgbClr val="7030A0"/>
-                </a:solidFill>
-                <a:latin typeface="Poppins" panose="00000500000000000000" pitchFamily="2" charset="0"/>
-                <a:cs typeface="Poppins" panose="00000500000000000000" pitchFamily="2" charset="0"/>
-              </a:rPr>
-              <a:t>Contant</a:t>
-            </a:r>
-            <a:r>
-              <a:rPr lang="en-IN" sz="2400" dirty="0">
-                <a:solidFill>
-                  <a:srgbClr val="7030A0"/>
-                </a:solidFill>
-                <a:latin typeface="Poppins" panose="00000500000000000000" pitchFamily="2" charset="0"/>
-                <a:cs typeface="Poppins" panose="00000500000000000000" pitchFamily="2" charset="0"/>
-              </a:rPr>
-              <a:t>: 8756839271</a:t>
-            </a:r>
-          </a:p>
-        </p:txBody>
-      </p:sp>
-    </p:spTree>
-    <p:extLst>
-      <p:ext uri="{BB962C8B-B14F-4D97-AF65-F5344CB8AC3E}">
-        <p14:creationId xmlns:p14="http://schemas.microsoft.com/office/powerpoint/2010/main" val="3184208358"/>
-      </p:ext>
-    </p:extLst>
-  </p:cSld>
-  <p:clrMapOvr>
-    <a:masterClrMapping/>
-  </p:clrMapOvr>
-</p:sld>
-</file>
-
 <file path=ppt/theme/theme1.xml><?xml version="1.0" encoding="utf-8"?>
 <a:theme xmlns:a="http://schemas.openxmlformats.org/drawingml/2006/main" name="Office Theme">
   <a:themeElements>
